--- a/ppt 16-9/1246.是耶稣.pptx
+++ b/ppt 16-9/1246.是耶稣.pptx
@@ -129,7 +129,7 @@
           <p:cNvPr id="2" name="标题 1">
             <a:extLst>
               <a:ext uri="{FF2B5EF4-FFF2-40B4-BE49-F238E27FC236}">
-                <a16:creationId xmlns:a16="http://schemas.microsoft.com/office/drawing/2014/main" id="{1ECF0E0D-4D2E-A35D-FFC6-3B5E94F617C6}"/>
+                <a16:creationId xmlns:a16="http://schemas.microsoft.com/office/drawing/2014/main" id="{A544931A-1CF6-2485-089D-BACCCCD59A69}"/>
               </a:ext>
             </a:extLst>
           </p:cNvPr>
@@ -166,7 +166,7 @@
           <p:cNvPr id="3" name="副标题 2">
             <a:extLst>
               <a:ext uri="{FF2B5EF4-FFF2-40B4-BE49-F238E27FC236}">
-                <a16:creationId xmlns:a16="http://schemas.microsoft.com/office/drawing/2014/main" id="{A87086D3-D33C-F2CD-70C2-4924ED1DDC09}"/>
+                <a16:creationId xmlns:a16="http://schemas.microsoft.com/office/drawing/2014/main" id="{F89E1834-A012-8CB1-C2B5-59AB797DF986}"/>
               </a:ext>
             </a:extLst>
           </p:cNvPr>
@@ -236,7 +236,7 @@
           <p:cNvPr id="4" name="日期占位符 3">
             <a:extLst>
               <a:ext uri="{FF2B5EF4-FFF2-40B4-BE49-F238E27FC236}">
-                <a16:creationId xmlns:a16="http://schemas.microsoft.com/office/drawing/2014/main" id="{640E1867-1064-1C4E-2519-D6832D104582}"/>
+                <a16:creationId xmlns:a16="http://schemas.microsoft.com/office/drawing/2014/main" id="{AAC6EC5C-7FE0-AE8A-F9F1-537CB59F698B}"/>
               </a:ext>
             </a:extLst>
           </p:cNvPr>
@@ -252,7 +252,7 @@
           <a:bodyPr/>
           <a:lstStyle/>
           <a:p>
-            <a:fld id="{75A13706-60D2-46C2-8762-436D42362FA8}" type="datetimeFigureOut">
+            <a:fld id="{A9617619-AFC2-4041-830B-B34518F5D70F}" type="datetimeFigureOut">
               <a:rPr lang="zh-CN" altLang="en-US" smtClean="0"/>
               <a:t>2024/3/10</a:t>
             </a:fld>
@@ -265,7 +265,7 @@
           <p:cNvPr id="5" name="页脚占位符 4">
             <a:extLst>
               <a:ext uri="{FF2B5EF4-FFF2-40B4-BE49-F238E27FC236}">
-                <a16:creationId xmlns:a16="http://schemas.microsoft.com/office/drawing/2014/main" id="{5832BE28-B361-E55E-2F2C-A540D94803C6}"/>
+                <a16:creationId xmlns:a16="http://schemas.microsoft.com/office/drawing/2014/main" id="{799F1791-2850-A5B9-AF55-20180E020E32}"/>
               </a:ext>
             </a:extLst>
           </p:cNvPr>
@@ -290,7 +290,7 @@
           <p:cNvPr id="6" name="灯片编号占位符 5">
             <a:extLst>
               <a:ext uri="{FF2B5EF4-FFF2-40B4-BE49-F238E27FC236}">
-                <a16:creationId xmlns:a16="http://schemas.microsoft.com/office/drawing/2014/main" id="{9B83BBDA-3394-5AAB-379D-DBED9A95DE83}"/>
+                <a16:creationId xmlns:a16="http://schemas.microsoft.com/office/drawing/2014/main" id="{5403274D-17DA-EB9E-DC3A-C33DECE55BB3}"/>
               </a:ext>
             </a:extLst>
           </p:cNvPr>
@@ -306,7 +306,7 @@
           <a:bodyPr/>
           <a:lstStyle/>
           <a:p>
-            <a:fld id="{DD762E7F-A9A6-40BE-8A49-705366767694}" type="slidenum">
+            <a:fld id="{A1F9679D-7153-4B78-BCC1-B449B9C72D77}" type="slidenum">
               <a:rPr lang="zh-CN" altLang="en-US" smtClean="0"/>
               <a:t>‹#›</a:t>
             </a:fld>
@@ -317,7 +317,7 @@
     </p:spTree>
     <p:extLst>
       <p:ext uri="{BB962C8B-B14F-4D97-AF65-F5344CB8AC3E}">
-        <p14:creationId xmlns:p14="http://schemas.microsoft.com/office/powerpoint/2010/main" val="525956138"/>
+        <p14:creationId xmlns:p14="http://schemas.microsoft.com/office/powerpoint/2010/main" val="1279842181"/>
       </p:ext>
     </p:extLst>
   </p:cSld>
@@ -349,7 +349,7 @@
           <p:cNvPr id="2" name="标题 1">
             <a:extLst>
               <a:ext uri="{FF2B5EF4-FFF2-40B4-BE49-F238E27FC236}">
-                <a16:creationId xmlns:a16="http://schemas.microsoft.com/office/drawing/2014/main" id="{BE9F65C7-0B18-6FA0-A6A5-15E9D839A018}"/>
+                <a16:creationId xmlns:a16="http://schemas.microsoft.com/office/drawing/2014/main" id="{4D7F21EA-082C-6DE6-5DE8-108AD2193546}"/>
               </a:ext>
             </a:extLst>
           </p:cNvPr>
@@ -377,7 +377,7 @@
           <p:cNvPr id="3" name="竖排文字占位符 2">
             <a:extLst>
               <a:ext uri="{FF2B5EF4-FFF2-40B4-BE49-F238E27FC236}">
-                <a16:creationId xmlns:a16="http://schemas.microsoft.com/office/drawing/2014/main" id="{B38063E9-65CD-1A28-6FCF-F88DDFD00B43}"/>
+                <a16:creationId xmlns:a16="http://schemas.microsoft.com/office/drawing/2014/main" id="{A0879A17-BBF8-6FA4-7C99-8C6FBDC3DADC}"/>
               </a:ext>
             </a:extLst>
           </p:cNvPr>
@@ -434,7 +434,7 @@
           <p:cNvPr id="4" name="日期占位符 3">
             <a:extLst>
               <a:ext uri="{FF2B5EF4-FFF2-40B4-BE49-F238E27FC236}">
-                <a16:creationId xmlns:a16="http://schemas.microsoft.com/office/drawing/2014/main" id="{7B0130BB-DAC0-2051-E1A0-226B631B13EF}"/>
+                <a16:creationId xmlns:a16="http://schemas.microsoft.com/office/drawing/2014/main" id="{97F9D2D3-7120-9B5D-1F8D-B694EF7D7D24}"/>
               </a:ext>
             </a:extLst>
           </p:cNvPr>
@@ -450,7 +450,7 @@
           <a:bodyPr/>
           <a:lstStyle/>
           <a:p>
-            <a:fld id="{75A13706-60D2-46C2-8762-436D42362FA8}" type="datetimeFigureOut">
+            <a:fld id="{A9617619-AFC2-4041-830B-B34518F5D70F}" type="datetimeFigureOut">
               <a:rPr lang="zh-CN" altLang="en-US" smtClean="0"/>
               <a:t>2024/3/10</a:t>
             </a:fld>
@@ -463,7 +463,7 @@
           <p:cNvPr id="5" name="页脚占位符 4">
             <a:extLst>
               <a:ext uri="{FF2B5EF4-FFF2-40B4-BE49-F238E27FC236}">
-                <a16:creationId xmlns:a16="http://schemas.microsoft.com/office/drawing/2014/main" id="{FE4E4C68-FFA1-5EF2-42A4-815F50751373}"/>
+                <a16:creationId xmlns:a16="http://schemas.microsoft.com/office/drawing/2014/main" id="{938C1A18-2EFA-2E2D-A945-A6EE59F12D18}"/>
               </a:ext>
             </a:extLst>
           </p:cNvPr>
@@ -488,7 +488,7 @@
           <p:cNvPr id="6" name="灯片编号占位符 5">
             <a:extLst>
               <a:ext uri="{FF2B5EF4-FFF2-40B4-BE49-F238E27FC236}">
-                <a16:creationId xmlns:a16="http://schemas.microsoft.com/office/drawing/2014/main" id="{B5C4461B-EE53-AD89-4E7A-018CC5E2E357}"/>
+                <a16:creationId xmlns:a16="http://schemas.microsoft.com/office/drawing/2014/main" id="{6DADB084-F080-DC14-4A70-6FD56BF30488}"/>
               </a:ext>
             </a:extLst>
           </p:cNvPr>
@@ -504,7 +504,7 @@
           <a:bodyPr/>
           <a:lstStyle/>
           <a:p>
-            <a:fld id="{DD762E7F-A9A6-40BE-8A49-705366767694}" type="slidenum">
+            <a:fld id="{A1F9679D-7153-4B78-BCC1-B449B9C72D77}" type="slidenum">
               <a:rPr lang="zh-CN" altLang="en-US" smtClean="0"/>
               <a:t>‹#›</a:t>
             </a:fld>
@@ -515,7 +515,7 @@
     </p:spTree>
     <p:extLst>
       <p:ext uri="{BB962C8B-B14F-4D97-AF65-F5344CB8AC3E}">
-        <p14:creationId xmlns:p14="http://schemas.microsoft.com/office/powerpoint/2010/main" val="3408145039"/>
+        <p14:creationId xmlns:p14="http://schemas.microsoft.com/office/powerpoint/2010/main" val="2394254658"/>
       </p:ext>
     </p:extLst>
   </p:cSld>
@@ -547,7 +547,7 @@
           <p:cNvPr id="2" name="竖排标题 1">
             <a:extLst>
               <a:ext uri="{FF2B5EF4-FFF2-40B4-BE49-F238E27FC236}">
-                <a16:creationId xmlns:a16="http://schemas.microsoft.com/office/drawing/2014/main" id="{B80E7636-E696-660E-0E51-A5AE180C9DF5}"/>
+                <a16:creationId xmlns:a16="http://schemas.microsoft.com/office/drawing/2014/main" id="{E76054E3-9468-906E-8CCC-EFDA00A46580}"/>
               </a:ext>
             </a:extLst>
           </p:cNvPr>
@@ -580,7 +580,7 @@
           <p:cNvPr id="3" name="竖排文字占位符 2">
             <a:extLst>
               <a:ext uri="{FF2B5EF4-FFF2-40B4-BE49-F238E27FC236}">
-                <a16:creationId xmlns:a16="http://schemas.microsoft.com/office/drawing/2014/main" id="{71FDF465-B0C8-8A0D-FE0A-3953F2C9D57C}"/>
+                <a16:creationId xmlns:a16="http://schemas.microsoft.com/office/drawing/2014/main" id="{E9D2C751-D4F1-D604-8026-A3479644C69B}"/>
               </a:ext>
             </a:extLst>
           </p:cNvPr>
@@ -642,7 +642,7 @@
           <p:cNvPr id="4" name="日期占位符 3">
             <a:extLst>
               <a:ext uri="{FF2B5EF4-FFF2-40B4-BE49-F238E27FC236}">
-                <a16:creationId xmlns:a16="http://schemas.microsoft.com/office/drawing/2014/main" id="{A2981801-405E-5526-3FEB-BF8F137A2685}"/>
+                <a16:creationId xmlns:a16="http://schemas.microsoft.com/office/drawing/2014/main" id="{EF0F0350-C8C6-1B3E-D892-ACC976FB9BBC}"/>
               </a:ext>
             </a:extLst>
           </p:cNvPr>
@@ -658,7 +658,7 @@
           <a:bodyPr/>
           <a:lstStyle/>
           <a:p>
-            <a:fld id="{75A13706-60D2-46C2-8762-436D42362FA8}" type="datetimeFigureOut">
+            <a:fld id="{A9617619-AFC2-4041-830B-B34518F5D70F}" type="datetimeFigureOut">
               <a:rPr lang="zh-CN" altLang="en-US" smtClean="0"/>
               <a:t>2024/3/10</a:t>
             </a:fld>
@@ -671,7 +671,7 @@
           <p:cNvPr id="5" name="页脚占位符 4">
             <a:extLst>
               <a:ext uri="{FF2B5EF4-FFF2-40B4-BE49-F238E27FC236}">
-                <a16:creationId xmlns:a16="http://schemas.microsoft.com/office/drawing/2014/main" id="{DFCC90C4-10F0-6CFF-2D24-5314321B6301}"/>
+                <a16:creationId xmlns:a16="http://schemas.microsoft.com/office/drawing/2014/main" id="{D9A246E0-623C-6864-696A-94F0C9EC8409}"/>
               </a:ext>
             </a:extLst>
           </p:cNvPr>
@@ -696,7 +696,7 @@
           <p:cNvPr id="6" name="灯片编号占位符 5">
             <a:extLst>
               <a:ext uri="{FF2B5EF4-FFF2-40B4-BE49-F238E27FC236}">
-                <a16:creationId xmlns:a16="http://schemas.microsoft.com/office/drawing/2014/main" id="{94C6852F-890C-7DE6-1378-AA797FD68D66}"/>
+                <a16:creationId xmlns:a16="http://schemas.microsoft.com/office/drawing/2014/main" id="{FF31C6E0-9FD4-313F-AF47-5C890AAF5AF0}"/>
               </a:ext>
             </a:extLst>
           </p:cNvPr>
@@ -712,7 +712,7 @@
           <a:bodyPr/>
           <a:lstStyle/>
           <a:p>
-            <a:fld id="{DD762E7F-A9A6-40BE-8A49-705366767694}" type="slidenum">
+            <a:fld id="{A1F9679D-7153-4B78-BCC1-B449B9C72D77}" type="slidenum">
               <a:rPr lang="zh-CN" altLang="en-US" smtClean="0"/>
               <a:t>‹#›</a:t>
             </a:fld>
@@ -723,7 +723,7 @@
     </p:spTree>
     <p:extLst>
       <p:ext uri="{BB962C8B-B14F-4D97-AF65-F5344CB8AC3E}">
-        <p14:creationId xmlns:p14="http://schemas.microsoft.com/office/powerpoint/2010/main" val="2449443573"/>
+        <p14:creationId xmlns:p14="http://schemas.microsoft.com/office/powerpoint/2010/main" val="1115321834"/>
       </p:ext>
     </p:extLst>
   </p:cSld>
@@ -755,7 +755,7 @@
           <p:cNvPr id="2" name="标题 1">
             <a:extLst>
               <a:ext uri="{FF2B5EF4-FFF2-40B4-BE49-F238E27FC236}">
-                <a16:creationId xmlns:a16="http://schemas.microsoft.com/office/drawing/2014/main" id="{6A6804C8-D0D7-E0C9-C712-720B5EE1A320}"/>
+                <a16:creationId xmlns:a16="http://schemas.microsoft.com/office/drawing/2014/main" id="{3FBD794E-13BD-6C31-B431-511060F3F3B4}"/>
               </a:ext>
             </a:extLst>
           </p:cNvPr>
@@ -783,7 +783,7 @@
           <p:cNvPr id="3" name="内容占位符 2">
             <a:extLst>
               <a:ext uri="{FF2B5EF4-FFF2-40B4-BE49-F238E27FC236}">
-                <a16:creationId xmlns:a16="http://schemas.microsoft.com/office/drawing/2014/main" id="{4C2A03BB-FD1C-947A-BC73-7BF366C4A61E}"/>
+                <a16:creationId xmlns:a16="http://schemas.microsoft.com/office/drawing/2014/main" id="{2CA3F171-366F-517A-7774-DD8A5084454E}"/>
               </a:ext>
             </a:extLst>
           </p:cNvPr>
@@ -840,7 +840,7 @@
           <p:cNvPr id="4" name="日期占位符 3">
             <a:extLst>
               <a:ext uri="{FF2B5EF4-FFF2-40B4-BE49-F238E27FC236}">
-                <a16:creationId xmlns:a16="http://schemas.microsoft.com/office/drawing/2014/main" id="{6F6CC465-CC65-E1CC-B4E8-30851AA89622}"/>
+                <a16:creationId xmlns:a16="http://schemas.microsoft.com/office/drawing/2014/main" id="{11A40A05-8763-B264-16AF-075A662BE315}"/>
               </a:ext>
             </a:extLst>
           </p:cNvPr>
@@ -856,7 +856,7 @@
           <a:bodyPr/>
           <a:lstStyle/>
           <a:p>
-            <a:fld id="{75A13706-60D2-46C2-8762-436D42362FA8}" type="datetimeFigureOut">
+            <a:fld id="{A9617619-AFC2-4041-830B-B34518F5D70F}" type="datetimeFigureOut">
               <a:rPr lang="zh-CN" altLang="en-US" smtClean="0"/>
               <a:t>2024/3/10</a:t>
             </a:fld>
@@ -869,7 +869,7 @@
           <p:cNvPr id="5" name="页脚占位符 4">
             <a:extLst>
               <a:ext uri="{FF2B5EF4-FFF2-40B4-BE49-F238E27FC236}">
-                <a16:creationId xmlns:a16="http://schemas.microsoft.com/office/drawing/2014/main" id="{B132738A-7CC5-9639-B64C-32806222AB42}"/>
+                <a16:creationId xmlns:a16="http://schemas.microsoft.com/office/drawing/2014/main" id="{A76CC61D-25F5-DD4E-0079-29895D671C8E}"/>
               </a:ext>
             </a:extLst>
           </p:cNvPr>
@@ -894,7 +894,7 @@
           <p:cNvPr id="6" name="灯片编号占位符 5">
             <a:extLst>
               <a:ext uri="{FF2B5EF4-FFF2-40B4-BE49-F238E27FC236}">
-                <a16:creationId xmlns:a16="http://schemas.microsoft.com/office/drawing/2014/main" id="{A14C59C1-637A-FA7C-FB90-BF01E44BB2BD}"/>
+                <a16:creationId xmlns:a16="http://schemas.microsoft.com/office/drawing/2014/main" id="{C9E0EFC7-ECEA-6C6A-FD22-87DDC9B9061F}"/>
               </a:ext>
             </a:extLst>
           </p:cNvPr>
@@ -910,7 +910,7 @@
           <a:bodyPr/>
           <a:lstStyle/>
           <a:p>
-            <a:fld id="{DD762E7F-A9A6-40BE-8A49-705366767694}" type="slidenum">
+            <a:fld id="{A1F9679D-7153-4B78-BCC1-B449B9C72D77}" type="slidenum">
               <a:rPr lang="zh-CN" altLang="en-US" smtClean="0"/>
               <a:t>‹#›</a:t>
             </a:fld>
@@ -921,7 +921,7 @@
     </p:spTree>
     <p:extLst>
       <p:ext uri="{BB962C8B-B14F-4D97-AF65-F5344CB8AC3E}">
-        <p14:creationId xmlns:p14="http://schemas.microsoft.com/office/powerpoint/2010/main" val="1017228472"/>
+        <p14:creationId xmlns:p14="http://schemas.microsoft.com/office/powerpoint/2010/main" val="1518068025"/>
       </p:ext>
     </p:extLst>
   </p:cSld>
@@ -953,7 +953,7 @@
           <p:cNvPr id="2" name="标题 1">
             <a:extLst>
               <a:ext uri="{FF2B5EF4-FFF2-40B4-BE49-F238E27FC236}">
-                <a16:creationId xmlns:a16="http://schemas.microsoft.com/office/drawing/2014/main" id="{72171199-A317-0567-7161-44DF37FB7EF8}"/>
+                <a16:creationId xmlns:a16="http://schemas.microsoft.com/office/drawing/2014/main" id="{483B5D01-D88F-7F0B-0772-7ADA9AC76AAF}"/>
               </a:ext>
             </a:extLst>
           </p:cNvPr>
@@ -990,7 +990,7 @@
           <p:cNvPr id="3" name="文本占位符 2">
             <a:extLst>
               <a:ext uri="{FF2B5EF4-FFF2-40B4-BE49-F238E27FC236}">
-                <a16:creationId xmlns:a16="http://schemas.microsoft.com/office/drawing/2014/main" id="{70C8AB17-247F-A1A7-2DA7-B035FA834A0F}"/>
+                <a16:creationId xmlns:a16="http://schemas.microsoft.com/office/drawing/2014/main" id="{B835882B-AB03-6AB3-249D-D1025C5249EB}"/>
               </a:ext>
             </a:extLst>
           </p:cNvPr>
@@ -1115,7 +1115,7 @@
           <p:cNvPr id="4" name="日期占位符 3">
             <a:extLst>
               <a:ext uri="{FF2B5EF4-FFF2-40B4-BE49-F238E27FC236}">
-                <a16:creationId xmlns:a16="http://schemas.microsoft.com/office/drawing/2014/main" id="{BC9D4870-3290-950B-6E20-14AE6616131F}"/>
+                <a16:creationId xmlns:a16="http://schemas.microsoft.com/office/drawing/2014/main" id="{61BFBEAD-7A34-EDAD-62EF-C8EDE15C5372}"/>
               </a:ext>
             </a:extLst>
           </p:cNvPr>
@@ -1131,7 +1131,7 @@
           <a:bodyPr/>
           <a:lstStyle/>
           <a:p>
-            <a:fld id="{75A13706-60D2-46C2-8762-436D42362FA8}" type="datetimeFigureOut">
+            <a:fld id="{A9617619-AFC2-4041-830B-B34518F5D70F}" type="datetimeFigureOut">
               <a:rPr lang="zh-CN" altLang="en-US" smtClean="0"/>
               <a:t>2024/3/10</a:t>
             </a:fld>
@@ -1144,7 +1144,7 @@
           <p:cNvPr id="5" name="页脚占位符 4">
             <a:extLst>
               <a:ext uri="{FF2B5EF4-FFF2-40B4-BE49-F238E27FC236}">
-                <a16:creationId xmlns:a16="http://schemas.microsoft.com/office/drawing/2014/main" id="{978D5856-BCBA-54E4-E5B4-CDFB8288B42D}"/>
+                <a16:creationId xmlns:a16="http://schemas.microsoft.com/office/drawing/2014/main" id="{89086AF0-DDA4-D15F-01EC-9A5904EE2133}"/>
               </a:ext>
             </a:extLst>
           </p:cNvPr>
@@ -1169,7 +1169,7 @@
           <p:cNvPr id="6" name="灯片编号占位符 5">
             <a:extLst>
               <a:ext uri="{FF2B5EF4-FFF2-40B4-BE49-F238E27FC236}">
-                <a16:creationId xmlns:a16="http://schemas.microsoft.com/office/drawing/2014/main" id="{91019105-FED4-EE83-83F5-0EEF681F26BB}"/>
+                <a16:creationId xmlns:a16="http://schemas.microsoft.com/office/drawing/2014/main" id="{2BB35013-99F7-3893-C4A5-639081D1C85A}"/>
               </a:ext>
             </a:extLst>
           </p:cNvPr>
@@ -1185,7 +1185,7 @@
           <a:bodyPr/>
           <a:lstStyle/>
           <a:p>
-            <a:fld id="{DD762E7F-A9A6-40BE-8A49-705366767694}" type="slidenum">
+            <a:fld id="{A1F9679D-7153-4B78-BCC1-B449B9C72D77}" type="slidenum">
               <a:rPr lang="zh-CN" altLang="en-US" smtClean="0"/>
               <a:t>‹#›</a:t>
             </a:fld>
@@ -1196,7 +1196,7 @@
     </p:spTree>
     <p:extLst>
       <p:ext uri="{BB962C8B-B14F-4D97-AF65-F5344CB8AC3E}">
-        <p14:creationId xmlns:p14="http://schemas.microsoft.com/office/powerpoint/2010/main" val="2572607269"/>
+        <p14:creationId xmlns:p14="http://schemas.microsoft.com/office/powerpoint/2010/main" val="2189103846"/>
       </p:ext>
     </p:extLst>
   </p:cSld>
@@ -1228,7 +1228,7 @@
           <p:cNvPr id="2" name="标题 1">
             <a:extLst>
               <a:ext uri="{FF2B5EF4-FFF2-40B4-BE49-F238E27FC236}">
-                <a16:creationId xmlns:a16="http://schemas.microsoft.com/office/drawing/2014/main" id="{EF8DFF1C-7F52-0807-458D-EA389CD4974F}"/>
+                <a16:creationId xmlns:a16="http://schemas.microsoft.com/office/drawing/2014/main" id="{995A483C-AD4C-31C7-7CE7-C3C3DD0DBD0D}"/>
               </a:ext>
             </a:extLst>
           </p:cNvPr>
@@ -1256,7 +1256,7 @@
           <p:cNvPr id="3" name="内容占位符 2">
             <a:extLst>
               <a:ext uri="{FF2B5EF4-FFF2-40B4-BE49-F238E27FC236}">
-                <a16:creationId xmlns:a16="http://schemas.microsoft.com/office/drawing/2014/main" id="{B0D08773-CFA9-19AB-5670-CA9D42610A87}"/>
+                <a16:creationId xmlns:a16="http://schemas.microsoft.com/office/drawing/2014/main" id="{2017420A-7C20-A7DD-EE43-70EDF2397D77}"/>
               </a:ext>
             </a:extLst>
           </p:cNvPr>
@@ -1318,7 +1318,7 @@
           <p:cNvPr id="4" name="内容占位符 3">
             <a:extLst>
               <a:ext uri="{FF2B5EF4-FFF2-40B4-BE49-F238E27FC236}">
-                <a16:creationId xmlns:a16="http://schemas.microsoft.com/office/drawing/2014/main" id="{7BD9E148-B621-9415-329A-6F077BFC61C7}"/>
+                <a16:creationId xmlns:a16="http://schemas.microsoft.com/office/drawing/2014/main" id="{FF006321-CC0B-92FA-6EFD-1978139308BC}"/>
               </a:ext>
             </a:extLst>
           </p:cNvPr>
@@ -1380,7 +1380,7 @@
           <p:cNvPr id="5" name="日期占位符 4">
             <a:extLst>
               <a:ext uri="{FF2B5EF4-FFF2-40B4-BE49-F238E27FC236}">
-                <a16:creationId xmlns:a16="http://schemas.microsoft.com/office/drawing/2014/main" id="{0468CAFD-E891-78A6-AB6D-49810341568C}"/>
+                <a16:creationId xmlns:a16="http://schemas.microsoft.com/office/drawing/2014/main" id="{627FEB8D-9D58-4AB7-0841-B6A618440617}"/>
               </a:ext>
             </a:extLst>
           </p:cNvPr>
@@ -1396,7 +1396,7 @@
           <a:bodyPr/>
           <a:lstStyle/>
           <a:p>
-            <a:fld id="{75A13706-60D2-46C2-8762-436D42362FA8}" type="datetimeFigureOut">
+            <a:fld id="{A9617619-AFC2-4041-830B-B34518F5D70F}" type="datetimeFigureOut">
               <a:rPr lang="zh-CN" altLang="en-US" smtClean="0"/>
               <a:t>2024/3/10</a:t>
             </a:fld>
@@ -1409,7 +1409,7 @@
           <p:cNvPr id="6" name="页脚占位符 5">
             <a:extLst>
               <a:ext uri="{FF2B5EF4-FFF2-40B4-BE49-F238E27FC236}">
-                <a16:creationId xmlns:a16="http://schemas.microsoft.com/office/drawing/2014/main" id="{94AE6988-F034-4A50-16B6-92D07D19A372}"/>
+                <a16:creationId xmlns:a16="http://schemas.microsoft.com/office/drawing/2014/main" id="{5CC59DDB-CB40-183A-DD34-A29F52504A02}"/>
               </a:ext>
             </a:extLst>
           </p:cNvPr>
@@ -1434,7 +1434,7 @@
           <p:cNvPr id="7" name="灯片编号占位符 6">
             <a:extLst>
               <a:ext uri="{FF2B5EF4-FFF2-40B4-BE49-F238E27FC236}">
-                <a16:creationId xmlns:a16="http://schemas.microsoft.com/office/drawing/2014/main" id="{A4C01F15-CDF5-13D4-AD55-8A49F868FB6D}"/>
+                <a16:creationId xmlns:a16="http://schemas.microsoft.com/office/drawing/2014/main" id="{061DB11F-2F52-F975-305F-89516C7167F8}"/>
               </a:ext>
             </a:extLst>
           </p:cNvPr>
@@ -1450,7 +1450,7 @@
           <a:bodyPr/>
           <a:lstStyle/>
           <a:p>
-            <a:fld id="{DD762E7F-A9A6-40BE-8A49-705366767694}" type="slidenum">
+            <a:fld id="{A1F9679D-7153-4B78-BCC1-B449B9C72D77}" type="slidenum">
               <a:rPr lang="zh-CN" altLang="en-US" smtClean="0"/>
               <a:t>‹#›</a:t>
             </a:fld>
@@ -1461,7 +1461,7 @@
     </p:spTree>
     <p:extLst>
       <p:ext uri="{BB962C8B-B14F-4D97-AF65-F5344CB8AC3E}">
-        <p14:creationId xmlns:p14="http://schemas.microsoft.com/office/powerpoint/2010/main" val="3645578028"/>
+        <p14:creationId xmlns:p14="http://schemas.microsoft.com/office/powerpoint/2010/main" val="2948984748"/>
       </p:ext>
     </p:extLst>
   </p:cSld>
@@ -1493,7 +1493,7 @@
           <p:cNvPr id="2" name="标题 1">
             <a:extLst>
               <a:ext uri="{FF2B5EF4-FFF2-40B4-BE49-F238E27FC236}">
-                <a16:creationId xmlns:a16="http://schemas.microsoft.com/office/drawing/2014/main" id="{BE15C1E5-A631-5D34-7F79-7982CB42CD96}"/>
+                <a16:creationId xmlns:a16="http://schemas.microsoft.com/office/drawing/2014/main" id="{A606136D-BA2B-148A-5902-0EAB4E6F4EEA}"/>
               </a:ext>
             </a:extLst>
           </p:cNvPr>
@@ -1526,7 +1526,7 @@
           <p:cNvPr id="3" name="文本占位符 2">
             <a:extLst>
               <a:ext uri="{FF2B5EF4-FFF2-40B4-BE49-F238E27FC236}">
-                <a16:creationId xmlns:a16="http://schemas.microsoft.com/office/drawing/2014/main" id="{26050CD4-FD76-3EEC-7FCF-8AA94AE78923}"/>
+                <a16:creationId xmlns:a16="http://schemas.microsoft.com/office/drawing/2014/main" id="{CB19AF96-D12A-2072-1029-CFF9151677FE}"/>
               </a:ext>
             </a:extLst>
           </p:cNvPr>
@@ -1597,7 +1597,7 @@
           <p:cNvPr id="4" name="内容占位符 3">
             <a:extLst>
               <a:ext uri="{FF2B5EF4-FFF2-40B4-BE49-F238E27FC236}">
-                <a16:creationId xmlns:a16="http://schemas.microsoft.com/office/drawing/2014/main" id="{B7D67DFD-E7FA-93CC-8FA2-5D794E1A9B21}"/>
+                <a16:creationId xmlns:a16="http://schemas.microsoft.com/office/drawing/2014/main" id="{352C251D-5C53-F39D-CAC9-2736C7D7BAA0}"/>
               </a:ext>
             </a:extLst>
           </p:cNvPr>
@@ -1659,7 +1659,7 @@
           <p:cNvPr id="5" name="文本占位符 4">
             <a:extLst>
               <a:ext uri="{FF2B5EF4-FFF2-40B4-BE49-F238E27FC236}">
-                <a16:creationId xmlns:a16="http://schemas.microsoft.com/office/drawing/2014/main" id="{0CD447EB-26AF-0399-166E-AF0D2CF71FC0}"/>
+                <a16:creationId xmlns:a16="http://schemas.microsoft.com/office/drawing/2014/main" id="{EB44B2FF-9412-4239-7BA8-21306A42DB58}"/>
               </a:ext>
             </a:extLst>
           </p:cNvPr>
@@ -1730,7 +1730,7 @@
           <p:cNvPr id="6" name="内容占位符 5">
             <a:extLst>
               <a:ext uri="{FF2B5EF4-FFF2-40B4-BE49-F238E27FC236}">
-                <a16:creationId xmlns:a16="http://schemas.microsoft.com/office/drawing/2014/main" id="{E61A482B-3566-FF50-BD45-277DF9C9D250}"/>
+                <a16:creationId xmlns:a16="http://schemas.microsoft.com/office/drawing/2014/main" id="{8A621964-EA02-DE0E-5654-93B61693A98F}"/>
               </a:ext>
             </a:extLst>
           </p:cNvPr>
@@ -1792,7 +1792,7 @@
           <p:cNvPr id="7" name="日期占位符 6">
             <a:extLst>
               <a:ext uri="{FF2B5EF4-FFF2-40B4-BE49-F238E27FC236}">
-                <a16:creationId xmlns:a16="http://schemas.microsoft.com/office/drawing/2014/main" id="{54FB6BEB-8124-AF1F-118F-91ADC9F59460}"/>
+                <a16:creationId xmlns:a16="http://schemas.microsoft.com/office/drawing/2014/main" id="{3630CEFE-E4CC-BBD1-B2B5-AA7E356F4559}"/>
               </a:ext>
             </a:extLst>
           </p:cNvPr>
@@ -1808,7 +1808,7 @@
           <a:bodyPr/>
           <a:lstStyle/>
           <a:p>
-            <a:fld id="{75A13706-60D2-46C2-8762-436D42362FA8}" type="datetimeFigureOut">
+            <a:fld id="{A9617619-AFC2-4041-830B-B34518F5D70F}" type="datetimeFigureOut">
               <a:rPr lang="zh-CN" altLang="en-US" smtClean="0"/>
               <a:t>2024/3/10</a:t>
             </a:fld>
@@ -1821,7 +1821,7 @@
           <p:cNvPr id="8" name="页脚占位符 7">
             <a:extLst>
               <a:ext uri="{FF2B5EF4-FFF2-40B4-BE49-F238E27FC236}">
-                <a16:creationId xmlns:a16="http://schemas.microsoft.com/office/drawing/2014/main" id="{AA5EAB15-87B0-4A8D-D376-C9539FF030CD}"/>
+                <a16:creationId xmlns:a16="http://schemas.microsoft.com/office/drawing/2014/main" id="{9182EE67-EC60-8E5A-33AD-9BD7C08F53E1}"/>
               </a:ext>
             </a:extLst>
           </p:cNvPr>
@@ -1846,7 +1846,7 @@
           <p:cNvPr id="9" name="灯片编号占位符 8">
             <a:extLst>
               <a:ext uri="{FF2B5EF4-FFF2-40B4-BE49-F238E27FC236}">
-                <a16:creationId xmlns:a16="http://schemas.microsoft.com/office/drawing/2014/main" id="{DFA19F30-8EAC-607B-BCD3-021D53FF082E}"/>
+                <a16:creationId xmlns:a16="http://schemas.microsoft.com/office/drawing/2014/main" id="{411603EE-5AFD-B5DA-9172-F46FBF1F3130}"/>
               </a:ext>
             </a:extLst>
           </p:cNvPr>
@@ -1862,7 +1862,7 @@
           <a:bodyPr/>
           <a:lstStyle/>
           <a:p>
-            <a:fld id="{DD762E7F-A9A6-40BE-8A49-705366767694}" type="slidenum">
+            <a:fld id="{A1F9679D-7153-4B78-BCC1-B449B9C72D77}" type="slidenum">
               <a:rPr lang="zh-CN" altLang="en-US" smtClean="0"/>
               <a:t>‹#›</a:t>
             </a:fld>
@@ -1873,7 +1873,7 @@
     </p:spTree>
     <p:extLst>
       <p:ext uri="{BB962C8B-B14F-4D97-AF65-F5344CB8AC3E}">
-        <p14:creationId xmlns:p14="http://schemas.microsoft.com/office/powerpoint/2010/main" val="3823135495"/>
+        <p14:creationId xmlns:p14="http://schemas.microsoft.com/office/powerpoint/2010/main" val="3737578158"/>
       </p:ext>
     </p:extLst>
   </p:cSld>
@@ -1905,7 +1905,7 @@
           <p:cNvPr id="2" name="标题 1">
             <a:extLst>
               <a:ext uri="{FF2B5EF4-FFF2-40B4-BE49-F238E27FC236}">
-                <a16:creationId xmlns:a16="http://schemas.microsoft.com/office/drawing/2014/main" id="{BD8B166D-1053-372A-6FA9-B0EAA85EBFD6}"/>
+                <a16:creationId xmlns:a16="http://schemas.microsoft.com/office/drawing/2014/main" id="{D1751D32-DBC3-05E9-6D9B-639A8882764D}"/>
               </a:ext>
             </a:extLst>
           </p:cNvPr>
@@ -1933,7 +1933,7 @@
           <p:cNvPr id="3" name="日期占位符 2">
             <a:extLst>
               <a:ext uri="{FF2B5EF4-FFF2-40B4-BE49-F238E27FC236}">
-                <a16:creationId xmlns:a16="http://schemas.microsoft.com/office/drawing/2014/main" id="{89210390-638D-C296-80FE-8CA9F69A7134}"/>
+                <a16:creationId xmlns:a16="http://schemas.microsoft.com/office/drawing/2014/main" id="{52380F57-7D19-4EE6-8425-57D563E8B9D4}"/>
               </a:ext>
             </a:extLst>
           </p:cNvPr>
@@ -1949,7 +1949,7 @@
           <a:bodyPr/>
           <a:lstStyle/>
           <a:p>
-            <a:fld id="{75A13706-60D2-46C2-8762-436D42362FA8}" type="datetimeFigureOut">
+            <a:fld id="{A9617619-AFC2-4041-830B-B34518F5D70F}" type="datetimeFigureOut">
               <a:rPr lang="zh-CN" altLang="en-US" smtClean="0"/>
               <a:t>2024/3/10</a:t>
             </a:fld>
@@ -1962,7 +1962,7 @@
           <p:cNvPr id="4" name="页脚占位符 3">
             <a:extLst>
               <a:ext uri="{FF2B5EF4-FFF2-40B4-BE49-F238E27FC236}">
-                <a16:creationId xmlns:a16="http://schemas.microsoft.com/office/drawing/2014/main" id="{F263CF36-50FA-1658-61A5-EBCA8E9D97FA}"/>
+                <a16:creationId xmlns:a16="http://schemas.microsoft.com/office/drawing/2014/main" id="{BF28D08D-A17C-DC48-BCCB-A03E5264E17B}"/>
               </a:ext>
             </a:extLst>
           </p:cNvPr>
@@ -1987,7 +1987,7 @@
           <p:cNvPr id="5" name="灯片编号占位符 4">
             <a:extLst>
               <a:ext uri="{FF2B5EF4-FFF2-40B4-BE49-F238E27FC236}">
-                <a16:creationId xmlns:a16="http://schemas.microsoft.com/office/drawing/2014/main" id="{4433AF4A-81F5-9E08-34F4-1C644364F276}"/>
+                <a16:creationId xmlns:a16="http://schemas.microsoft.com/office/drawing/2014/main" id="{393EC407-6E07-363D-2198-8F6FD1E62918}"/>
               </a:ext>
             </a:extLst>
           </p:cNvPr>
@@ -2003,7 +2003,7 @@
           <a:bodyPr/>
           <a:lstStyle/>
           <a:p>
-            <a:fld id="{DD762E7F-A9A6-40BE-8A49-705366767694}" type="slidenum">
+            <a:fld id="{A1F9679D-7153-4B78-BCC1-B449B9C72D77}" type="slidenum">
               <a:rPr lang="zh-CN" altLang="en-US" smtClean="0"/>
               <a:t>‹#›</a:t>
             </a:fld>
@@ -2014,7 +2014,7 @@
     </p:spTree>
     <p:extLst>
       <p:ext uri="{BB962C8B-B14F-4D97-AF65-F5344CB8AC3E}">
-        <p14:creationId xmlns:p14="http://schemas.microsoft.com/office/powerpoint/2010/main" val="489501887"/>
+        <p14:creationId xmlns:p14="http://schemas.microsoft.com/office/powerpoint/2010/main" val="272569117"/>
       </p:ext>
     </p:extLst>
   </p:cSld>
@@ -2046,7 +2046,7 @@
           <p:cNvPr id="2" name="日期占位符 1">
             <a:extLst>
               <a:ext uri="{FF2B5EF4-FFF2-40B4-BE49-F238E27FC236}">
-                <a16:creationId xmlns:a16="http://schemas.microsoft.com/office/drawing/2014/main" id="{E2E9DC06-2C9B-3022-8D3B-4F31A2341A15}"/>
+                <a16:creationId xmlns:a16="http://schemas.microsoft.com/office/drawing/2014/main" id="{C81FD831-46FE-0D03-776E-3A8F23513038}"/>
               </a:ext>
             </a:extLst>
           </p:cNvPr>
@@ -2062,7 +2062,7 @@
           <a:bodyPr/>
           <a:lstStyle/>
           <a:p>
-            <a:fld id="{75A13706-60D2-46C2-8762-436D42362FA8}" type="datetimeFigureOut">
+            <a:fld id="{A9617619-AFC2-4041-830B-B34518F5D70F}" type="datetimeFigureOut">
               <a:rPr lang="zh-CN" altLang="en-US" smtClean="0"/>
               <a:t>2024/3/10</a:t>
             </a:fld>
@@ -2075,7 +2075,7 @@
           <p:cNvPr id="3" name="页脚占位符 2">
             <a:extLst>
               <a:ext uri="{FF2B5EF4-FFF2-40B4-BE49-F238E27FC236}">
-                <a16:creationId xmlns:a16="http://schemas.microsoft.com/office/drawing/2014/main" id="{085B4CB8-6A68-73B3-3A38-D98581AD9DF0}"/>
+                <a16:creationId xmlns:a16="http://schemas.microsoft.com/office/drawing/2014/main" id="{F7F07E82-0B44-AD0C-8A91-F33F9367A025}"/>
               </a:ext>
             </a:extLst>
           </p:cNvPr>
@@ -2100,7 +2100,7 @@
           <p:cNvPr id="4" name="灯片编号占位符 3">
             <a:extLst>
               <a:ext uri="{FF2B5EF4-FFF2-40B4-BE49-F238E27FC236}">
-                <a16:creationId xmlns:a16="http://schemas.microsoft.com/office/drawing/2014/main" id="{72557BA6-1BE1-7366-F6F0-5420521386A0}"/>
+                <a16:creationId xmlns:a16="http://schemas.microsoft.com/office/drawing/2014/main" id="{9206CC36-4BD1-41ED-FFD6-5B642FBF3641}"/>
               </a:ext>
             </a:extLst>
           </p:cNvPr>
@@ -2116,7 +2116,7 @@
           <a:bodyPr/>
           <a:lstStyle/>
           <a:p>
-            <a:fld id="{DD762E7F-A9A6-40BE-8A49-705366767694}" type="slidenum">
+            <a:fld id="{A1F9679D-7153-4B78-BCC1-B449B9C72D77}" type="slidenum">
               <a:rPr lang="zh-CN" altLang="en-US" smtClean="0"/>
               <a:t>‹#›</a:t>
             </a:fld>
@@ -2127,7 +2127,7 @@
     </p:spTree>
     <p:extLst>
       <p:ext uri="{BB962C8B-B14F-4D97-AF65-F5344CB8AC3E}">
-        <p14:creationId xmlns:p14="http://schemas.microsoft.com/office/powerpoint/2010/main" val="2075005557"/>
+        <p14:creationId xmlns:p14="http://schemas.microsoft.com/office/powerpoint/2010/main" val="4164629431"/>
       </p:ext>
     </p:extLst>
   </p:cSld>
@@ -2159,7 +2159,7 @@
           <p:cNvPr id="2" name="标题 1">
             <a:extLst>
               <a:ext uri="{FF2B5EF4-FFF2-40B4-BE49-F238E27FC236}">
-                <a16:creationId xmlns:a16="http://schemas.microsoft.com/office/drawing/2014/main" id="{E1381C36-CEFF-106C-0F50-68A22CA74837}"/>
+                <a16:creationId xmlns:a16="http://schemas.microsoft.com/office/drawing/2014/main" id="{B51688FE-A7C0-23CF-7BBC-8B42652AC46B}"/>
               </a:ext>
             </a:extLst>
           </p:cNvPr>
@@ -2196,7 +2196,7 @@
           <p:cNvPr id="3" name="内容占位符 2">
             <a:extLst>
               <a:ext uri="{FF2B5EF4-FFF2-40B4-BE49-F238E27FC236}">
-                <a16:creationId xmlns:a16="http://schemas.microsoft.com/office/drawing/2014/main" id="{8D1117BC-EBDF-EB03-9AF4-21968648AAD2}"/>
+                <a16:creationId xmlns:a16="http://schemas.microsoft.com/office/drawing/2014/main" id="{DEE1DC31-3D61-8DAB-7724-89E47501E249}"/>
               </a:ext>
             </a:extLst>
           </p:cNvPr>
@@ -2286,7 +2286,7 @@
           <p:cNvPr id="4" name="文本占位符 3">
             <a:extLst>
               <a:ext uri="{FF2B5EF4-FFF2-40B4-BE49-F238E27FC236}">
-                <a16:creationId xmlns:a16="http://schemas.microsoft.com/office/drawing/2014/main" id="{F0057869-676C-4A78-F60F-84F18C86E3D7}"/>
+                <a16:creationId xmlns:a16="http://schemas.microsoft.com/office/drawing/2014/main" id="{A65313BE-7D9C-0F1F-0EB8-212688802D6B}"/>
               </a:ext>
             </a:extLst>
           </p:cNvPr>
@@ -2357,7 +2357,7 @@
           <p:cNvPr id="5" name="日期占位符 4">
             <a:extLst>
               <a:ext uri="{FF2B5EF4-FFF2-40B4-BE49-F238E27FC236}">
-                <a16:creationId xmlns:a16="http://schemas.microsoft.com/office/drawing/2014/main" id="{4A8D2FF4-07A4-4230-4A46-B8883D355C34}"/>
+                <a16:creationId xmlns:a16="http://schemas.microsoft.com/office/drawing/2014/main" id="{C3EDDBCF-2904-E567-D0DB-A9ED882F0E3F}"/>
               </a:ext>
             </a:extLst>
           </p:cNvPr>
@@ -2373,7 +2373,7 @@
           <a:bodyPr/>
           <a:lstStyle/>
           <a:p>
-            <a:fld id="{75A13706-60D2-46C2-8762-436D42362FA8}" type="datetimeFigureOut">
+            <a:fld id="{A9617619-AFC2-4041-830B-B34518F5D70F}" type="datetimeFigureOut">
               <a:rPr lang="zh-CN" altLang="en-US" smtClean="0"/>
               <a:t>2024/3/10</a:t>
             </a:fld>
@@ -2386,7 +2386,7 @@
           <p:cNvPr id="6" name="页脚占位符 5">
             <a:extLst>
               <a:ext uri="{FF2B5EF4-FFF2-40B4-BE49-F238E27FC236}">
-                <a16:creationId xmlns:a16="http://schemas.microsoft.com/office/drawing/2014/main" id="{DBA1E06F-155D-901E-E6D6-EE3B32D7FA4D}"/>
+                <a16:creationId xmlns:a16="http://schemas.microsoft.com/office/drawing/2014/main" id="{72F7CFAC-0B99-85B3-EE5B-A02FDC4A9F8A}"/>
               </a:ext>
             </a:extLst>
           </p:cNvPr>
@@ -2411,7 +2411,7 @@
           <p:cNvPr id="7" name="灯片编号占位符 6">
             <a:extLst>
               <a:ext uri="{FF2B5EF4-FFF2-40B4-BE49-F238E27FC236}">
-                <a16:creationId xmlns:a16="http://schemas.microsoft.com/office/drawing/2014/main" id="{5A272CC6-276C-1A4E-B94A-F6F0B3ED0B7F}"/>
+                <a16:creationId xmlns:a16="http://schemas.microsoft.com/office/drawing/2014/main" id="{A1673C32-6244-747D-562F-EC466807EB37}"/>
               </a:ext>
             </a:extLst>
           </p:cNvPr>
@@ -2427,7 +2427,7 @@
           <a:bodyPr/>
           <a:lstStyle/>
           <a:p>
-            <a:fld id="{DD762E7F-A9A6-40BE-8A49-705366767694}" type="slidenum">
+            <a:fld id="{A1F9679D-7153-4B78-BCC1-B449B9C72D77}" type="slidenum">
               <a:rPr lang="zh-CN" altLang="en-US" smtClean="0"/>
               <a:t>‹#›</a:t>
             </a:fld>
@@ -2438,7 +2438,7 @@
     </p:spTree>
     <p:extLst>
       <p:ext uri="{BB962C8B-B14F-4D97-AF65-F5344CB8AC3E}">
-        <p14:creationId xmlns:p14="http://schemas.microsoft.com/office/powerpoint/2010/main" val="3202957878"/>
+        <p14:creationId xmlns:p14="http://schemas.microsoft.com/office/powerpoint/2010/main" val="2029690408"/>
       </p:ext>
     </p:extLst>
   </p:cSld>
@@ -2470,7 +2470,7 @@
           <p:cNvPr id="2" name="标题 1">
             <a:extLst>
               <a:ext uri="{FF2B5EF4-FFF2-40B4-BE49-F238E27FC236}">
-                <a16:creationId xmlns:a16="http://schemas.microsoft.com/office/drawing/2014/main" id="{2EAA4049-18B6-72C7-5BEE-141E67014759}"/>
+                <a16:creationId xmlns:a16="http://schemas.microsoft.com/office/drawing/2014/main" id="{381CBB1F-AFF5-2D5A-FB83-E28E4DEC85AA}"/>
               </a:ext>
             </a:extLst>
           </p:cNvPr>
@@ -2507,7 +2507,7 @@
           <p:cNvPr id="3" name="图片占位符 2">
             <a:extLst>
               <a:ext uri="{FF2B5EF4-FFF2-40B4-BE49-F238E27FC236}">
-                <a16:creationId xmlns:a16="http://schemas.microsoft.com/office/drawing/2014/main" id="{022701A6-9A0D-5821-4613-15C67E784318}"/>
+                <a16:creationId xmlns:a16="http://schemas.microsoft.com/office/drawing/2014/main" id="{C5DB7F2D-F312-80A7-31B3-2032F2A5FE66}"/>
               </a:ext>
             </a:extLst>
           </p:cNvPr>
@@ -2574,7 +2574,7 @@
           <p:cNvPr id="4" name="文本占位符 3">
             <a:extLst>
               <a:ext uri="{FF2B5EF4-FFF2-40B4-BE49-F238E27FC236}">
-                <a16:creationId xmlns:a16="http://schemas.microsoft.com/office/drawing/2014/main" id="{51650D78-B756-F823-BF62-4D5540983205}"/>
+                <a16:creationId xmlns:a16="http://schemas.microsoft.com/office/drawing/2014/main" id="{FAAEA7D9-E52A-BC62-1DC3-9DC4D8D81BBA}"/>
               </a:ext>
             </a:extLst>
           </p:cNvPr>
@@ -2645,7 +2645,7 @@
           <p:cNvPr id="5" name="日期占位符 4">
             <a:extLst>
               <a:ext uri="{FF2B5EF4-FFF2-40B4-BE49-F238E27FC236}">
-                <a16:creationId xmlns:a16="http://schemas.microsoft.com/office/drawing/2014/main" id="{593832C3-7618-0851-D336-44368B72607D}"/>
+                <a16:creationId xmlns:a16="http://schemas.microsoft.com/office/drawing/2014/main" id="{921347B1-943B-35F7-4B3A-4EB80A9741F6}"/>
               </a:ext>
             </a:extLst>
           </p:cNvPr>
@@ -2661,7 +2661,7 @@
           <a:bodyPr/>
           <a:lstStyle/>
           <a:p>
-            <a:fld id="{75A13706-60D2-46C2-8762-436D42362FA8}" type="datetimeFigureOut">
+            <a:fld id="{A9617619-AFC2-4041-830B-B34518F5D70F}" type="datetimeFigureOut">
               <a:rPr lang="zh-CN" altLang="en-US" smtClean="0"/>
               <a:t>2024/3/10</a:t>
             </a:fld>
@@ -2674,7 +2674,7 @@
           <p:cNvPr id="6" name="页脚占位符 5">
             <a:extLst>
               <a:ext uri="{FF2B5EF4-FFF2-40B4-BE49-F238E27FC236}">
-                <a16:creationId xmlns:a16="http://schemas.microsoft.com/office/drawing/2014/main" id="{480144ED-B265-D055-2EBC-74616C46918C}"/>
+                <a16:creationId xmlns:a16="http://schemas.microsoft.com/office/drawing/2014/main" id="{268D867C-EE49-B757-6E41-35B6A70421E2}"/>
               </a:ext>
             </a:extLst>
           </p:cNvPr>
@@ -2699,7 +2699,7 @@
           <p:cNvPr id="7" name="灯片编号占位符 6">
             <a:extLst>
               <a:ext uri="{FF2B5EF4-FFF2-40B4-BE49-F238E27FC236}">
-                <a16:creationId xmlns:a16="http://schemas.microsoft.com/office/drawing/2014/main" id="{62D62EC4-9EB0-17D3-5D1E-02B1A89AA655}"/>
+                <a16:creationId xmlns:a16="http://schemas.microsoft.com/office/drawing/2014/main" id="{6D4EE48A-9E34-3B16-E122-1CCCD6FCDB39}"/>
               </a:ext>
             </a:extLst>
           </p:cNvPr>
@@ -2715,7 +2715,7 @@
           <a:bodyPr/>
           <a:lstStyle/>
           <a:p>
-            <a:fld id="{DD762E7F-A9A6-40BE-8A49-705366767694}" type="slidenum">
+            <a:fld id="{A1F9679D-7153-4B78-BCC1-B449B9C72D77}" type="slidenum">
               <a:rPr lang="zh-CN" altLang="en-US" smtClean="0"/>
               <a:t>‹#›</a:t>
             </a:fld>
@@ -2726,7 +2726,7 @@
     </p:spTree>
     <p:extLst>
       <p:ext uri="{BB962C8B-B14F-4D97-AF65-F5344CB8AC3E}">
-        <p14:creationId xmlns:p14="http://schemas.microsoft.com/office/powerpoint/2010/main" val="727887578"/>
+        <p14:creationId xmlns:p14="http://schemas.microsoft.com/office/powerpoint/2010/main" val="1366546546"/>
       </p:ext>
     </p:extLst>
   </p:cSld>
@@ -2763,7 +2763,7 @@
           <p:cNvPr id="2" name="标题占位符 1">
             <a:extLst>
               <a:ext uri="{FF2B5EF4-FFF2-40B4-BE49-F238E27FC236}">
-                <a16:creationId xmlns:a16="http://schemas.microsoft.com/office/drawing/2014/main" id="{F614F82D-4BF6-CD52-CEA9-95D695CF8D27}"/>
+                <a16:creationId xmlns:a16="http://schemas.microsoft.com/office/drawing/2014/main" id="{8D746A32-220C-4159-0B3E-6920F480FDB3}"/>
               </a:ext>
             </a:extLst>
           </p:cNvPr>
@@ -2801,7 +2801,7 @@
           <p:cNvPr id="3" name="文本占位符 2">
             <a:extLst>
               <a:ext uri="{FF2B5EF4-FFF2-40B4-BE49-F238E27FC236}">
-                <a16:creationId xmlns:a16="http://schemas.microsoft.com/office/drawing/2014/main" id="{DE701350-F63D-2E62-6B8A-DA0702D99B73}"/>
+                <a16:creationId xmlns:a16="http://schemas.microsoft.com/office/drawing/2014/main" id="{60970D73-75A1-3EE7-F23D-73DA75CA96DD}"/>
               </a:ext>
             </a:extLst>
           </p:cNvPr>
@@ -2868,7 +2868,7 @@
           <p:cNvPr id="4" name="日期占位符 3">
             <a:extLst>
               <a:ext uri="{FF2B5EF4-FFF2-40B4-BE49-F238E27FC236}">
-                <a16:creationId xmlns:a16="http://schemas.microsoft.com/office/drawing/2014/main" id="{B9644B5B-52E6-FD1A-2581-AA2BC0F8B549}"/>
+                <a16:creationId xmlns:a16="http://schemas.microsoft.com/office/drawing/2014/main" id="{5F8123F3-A480-28ED-CFDD-594919465234}"/>
               </a:ext>
             </a:extLst>
           </p:cNvPr>
@@ -2902,7 +2902,7 @@
             </a:lvl1pPr>
           </a:lstStyle>
           <a:p>
-            <a:fld id="{75A13706-60D2-46C2-8762-436D42362FA8}" type="datetimeFigureOut">
+            <a:fld id="{A9617619-AFC2-4041-830B-B34518F5D70F}" type="datetimeFigureOut">
               <a:rPr lang="zh-CN" altLang="en-US" smtClean="0"/>
               <a:t>2024/3/10</a:t>
             </a:fld>
@@ -2915,7 +2915,7 @@
           <p:cNvPr id="5" name="页脚占位符 4">
             <a:extLst>
               <a:ext uri="{FF2B5EF4-FFF2-40B4-BE49-F238E27FC236}">
-                <a16:creationId xmlns:a16="http://schemas.microsoft.com/office/drawing/2014/main" id="{F4E5636A-CF29-A755-F7B0-BC2A81ED828F}"/>
+                <a16:creationId xmlns:a16="http://schemas.microsoft.com/office/drawing/2014/main" id="{91B40DAF-DED5-123E-0195-D2365D77F86B}"/>
               </a:ext>
             </a:extLst>
           </p:cNvPr>
@@ -2958,7 +2958,7 @@
           <p:cNvPr id="6" name="灯片编号占位符 5">
             <a:extLst>
               <a:ext uri="{FF2B5EF4-FFF2-40B4-BE49-F238E27FC236}">
-                <a16:creationId xmlns:a16="http://schemas.microsoft.com/office/drawing/2014/main" id="{4E90BB48-FFB5-79C6-10A4-29BC6DFBE919}"/>
+                <a16:creationId xmlns:a16="http://schemas.microsoft.com/office/drawing/2014/main" id="{E74876CC-8AD8-C9F4-DC41-55C2B58F5C56}"/>
               </a:ext>
             </a:extLst>
           </p:cNvPr>
@@ -2992,7 +2992,7 @@
             </a:lvl1pPr>
           </a:lstStyle>
           <a:p>
-            <a:fld id="{DD762E7F-A9A6-40BE-8A49-705366767694}" type="slidenum">
+            <a:fld id="{A1F9679D-7153-4B78-BCC1-B449B9C72D77}" type="slidenum">
               <a:rPr lang="zh-CN" altLang="en-US" smtClean="0"/>
               <a:t>‹#›</a:t>
             </a:fld>
@@ -3003,7 +3003,7 @@
     </p:spTree>
     <p:extLst>
       <p:ext uri="{BB962C8B-B14F-4D97-AF65-F5344CB8AC3E}">
-        <p14:creationId xmlns:p14="http://schemas.microsoft.com/office/powerpoint/2010/main" val="3567304481"/>
+        <p14:creationId xmlns:p14="http://schemas.microsoft.com/office/powerpoint/2010/main" val="2410065120"/>
       </p:ext>
     </p:extLst>
   </p:cSld>
